--- a/Presentation | Andra P Utama.pptx
+++ b/Presentation | Andra P Utama.pptx
@@ -157,6 +157,9 @@
           </p14:sldIdLst>
         </p14:section>
       </p14:sectionLst>
+    </p:ext>
+    <p:ext uri="{EFAFB233-063F-42B5-8137-9DF3F51BA10A}">
+      <p15:sldGuideLst xmlns:p15="http://schemas.microsoft.com/office/powerpoint/2012/main"/>
     </p:ext>
   </p:extLst>
 </p:presentation>
@@ -4058,7 +4061,7 @@
           <a:noFill/>
           <a:extLst>
             <a:ext uri="{909E8E84-426E-40dd-AFC4-6F175D3DCCD1}">
-              <a14:hiddenFill xmlns:a14="http://schemas.microsoft.com/office/drawing/2010/main" xmlns="">
+              <a14:hiddenFill xmlns="" xmlns:a14="http://schemas.microsoft.com/office/drawing/2010/main">
                 <a:solidFill>
                   <a:srgbClr val="FFFFFF"/>
                 </a:solidFill>
@@ -4118,7 +4121,7 @@
             </a:ln>
             <a:extLst>
               <a:ext uri="{91240B29-F687-4f45-9708-019B960494DF}">
-                <a14:hiddenLine xmlns:a14="http://schemas.microsoft.com/office/drawing/2010/main" xmlns="" w="9525">
+                <a14:hiddenLine xmlns="" xmlns:a14="http://schemas.microsoft.com/office/drawing/2010/main" w="9525">
                   <a:solidFill>
                     <a:srgbClr val="000000"/>
                   </a:solidFill>
@@ -4208,7 +4211,7 @@
             </a:ln>
             <a:extLst>
               <a:ext uri="{91240B29-F687-4f45-9708-019B960494DF}">
-                <a14:hiddenLine xmlns:a14="http://schemas.microsoft.com/office/drawing/2010/main" xmlns="" w="9525">
+                <a14:hiddenLine xmlns="" xmlns:a14="http://schemas.microsoft.com/office/drawing/2010/main" w="9525">
                   <a:solidFill>
                     <a:srgbClr val="000000"/>
                   </a:solidFill>
@@ -4298,7 +4301,7 @@
             </a:ln>
             <a:extLst>
               <a:ext uri="{91240B29-F687-4f45-9708-019B960494DF}">
-                <a14:hiddenLine xmlns:a14="http://schemas.microsoft.com/office/drawing/2010/main" xmlns="" w="9525">
+                <a14:hiddenLine xmlns="" xmlns:a14="http://schemas.microsoft.com/office/drawing/2010/main" w="9525">
                   <a:solidFill>
                     <a:srgbClr val="000000"/>
                   </a:solidFill>
@@ -4332,7 +4335,7 @@
             </a:ln>
             <a:extLst>
               <a:ext uri="{91240B29-F687-4f45-9708-019B960494DF}">
-                <a14:hiddenLine xmlns:a14="http://schemas.microsoft.com/office/drawing/2010/main" xmlns="" w="9525">
+                <a14:hiddenLine xmlns="" xmlns:a14="http://schemas.microsoft.com/office/drawing/2010/main" w="9525">
                   <a:solidFill>
                     <a:srgbClr val="000000"/>
                   </a:solidFill>
@@ -4422,7 +4425,7 @@
             </a:ln>
             <a:extLst>
               <a:ext uri="{91240B29-F687-4f45-9708-019B960494DF}">
-                <a14:hiddenLine xmlns:a14="http://schemas.microsoft.com/office/drawing/2010/main" xmlns="" w="9525">
+                <a14:hiddenLine xmlns="" xmlns:a14="http://schemas.microsoft.com/office/drawing/2010/main" w="9525">
                   <a:solidFill>
                     <a:srgbClr val="000000"/>
                   </a:solidFill>
@@ -4484,7 +4487,7 @@
             </a:ln>
             <a:extLst>
               <a:ext uri="{91240B29-F687-4f45-9708-019B960494DF}">
-                <a14:hiddenLine xmlns:a14="http://schemas.microsoft.com/office/drawing/2010/main" xmlns="" w="9525">
+                <a14:hiddenLine xmlns="" xmlns:a14="http://schemas.microsoft.com/office/drawing/2010/main" w="9525">
                   <a:solidFill>
                     <a:srgbClr val="000000"/>
                   </a:solidFill>
@@ -4546,7 +4549,7 @@
             </a:ln>
             <a:extLst>
               <a:ext uri="{91240B29-F687-4f45-9708-019B960494DF}">
-                <a14:hiddenLine xmlns:a14="http://schemas.microsoft.com/office/drawing/2010/main" xmlns="" w="9525">
+                <a14:hiddenLine xmlns="" xmlns:a14="http://schemas.microsoft.com/office/drawing/2010/main" w="9525">
                   <a:solidFill>
                     <a:srgbClr val="000000"/>
                   </a:solidFill>
@@ -4636,7 +4639,7 @@
             </a:ln>
             <a:extLst>
               <a:ext uri="{91240B29-F687-4f45-9708-019B960494DF}">
-                <a14:hiddenLine xmlns:a14="http://schemas.microsoft.com/office/drawing/2010/main" xmlns="" w="9525">
+                <a14:hiddenLine xmlns="" xmlns:a14="http://schemas.microsoft.com/office/drawing/2010/main" w="9525">
                   <a:solidFill>
                     <a:srgbClr val="000000"/>
                   </a:solidFill>
@@ -4698,7 +4701,7 @@
             </a:ln>
             <a:extLst>
               <a:ext uri="{91240B29-F687-4f45-9708-019B960494DF}">
-                <a14:hiddenLine xmlns:a14="http://schemas.microsoft.com/office/drawing/2010/main" xmlns="" w="9525">
+                <a14:hiddenLine xmlns="" xmlns:a14="http://schemas.microsoft.com/office/drawing/2010/main" w="9525">
                   <a:solidFill>
                     <a:srgbClr val="000000"/>
                   </a:solidFill>
@@ -4760,7 +4763,7 @@
             </a:ln>
             <a:extLst>
               <a:ext uri="{91240B29-F687-4f45-9708-019B960494DF}">
-                <a14:hiddenLine xmlns:a14="http://schemas.microsoft.com/office/drawing/2010/main" xmlns="" w="9525">
+                <a14:hiddenLine xmlns="" xmlns:a14="http://schemas.microsoft.com/office/drawing/2010/main" w="9525">
                   <a:solidFill>
                     <a:srgbClr val="000000"/>
                   </a:solidFill>
@@ -4850,7 +4853,7 @@
             </a:ln>
             <a:extLst>
               <a:ext uri="{91240B29-F687-4f45-9708-019B960494DF}">
-                <a14:hiddenLine xmlns:a14="http://schemas.microsoft.com/office/drawing/2010/main" xmlns="" w="9525">
+                <a14:hiddenLine xmlns="" xmlns:a14="http://schemas.microsoft.com/office/drawing/2010/main" w="9525">
                   <a:solidFill>
                     <a:srgbClr val="000000"/>
                   </a:solidFill>
@@ -4940,7 +4943,7 @@
             </a:ln>
             <a:extLst>
               <a:ext uri="{91240B29-F687-4f45-9708-019B960494DF}">
-                <a14:hiddenLine xmlns:a14="http://schemas.microsoft.com/office/drawing/2010/main" xmlns="" w="9525">
+                <a14:hiddenLine xmlns="" xmlns:a14="http://schemas.microsoft.com/office/drawing/2010/main" w="9525">
                   <a:solidFill>
                     <a:srgbClr val="000000"/>
                   </a:solidFill>
@@ -5002,7 +5005,7 @@
             </a:ln>
             <a:extLst>
               <a:ext uri="{91240B29-F687-4f45-9708-019B960494DF}">
-                <a14:hiddenLine xmlns:a14="http://schemas.microsoft.com/office/drawing/2010/main" xmlns="" w="9525">
+                <a14:hiddenLine xmlns="" xmlns:a14="http://schemas.microsoft.com/office/drawing/2010/main" w="9525">
                   <a:solidFill>
                     <a:srgbClr val="000000"/>
                   </a:solidFill>
@@ -5112,7 +5115,7 @@
             </a:ln>
             <a:extLst>
               <a:ext uri="{91240B29-F687-4f45-9708-019B960494DF}">
-                <a14:hiddenLine xmlns:a14="http://schemas.microsoft.com/office/drawing/2010/main" xmlns="" w="9525">
+                <a14:hiddenLine xmlns="" xmlns:a14="http://schemas.microsoft.com/office/drawing/2010/main" w="9525">
                   <a:solidFill>
                     <a:srgbClr val="000000"/>
                   </a:solidFill>
@@ -5174,7 +5177,7 @@
             </a:ln>
             <a:extLst>
               <a:ext uri="{91240B29-F687-4f45-9708-019B960494DF}">
-                <a14:hiddenLine xmlns:a14="http://schemas.microsoft.com/office/drawing/2010/main" xmlns="" w="9525">
+                <a14:hiddenLine xmlns="" xmlns:a14="http://schemas.microsoft.com/office/drawing/2010/main" w="9525">
                   <a:solidFill>
                     <a:srgbClr val="000000"/>
                   </a:solidFill>
@@ -5264,7 +5267,7 @@
             </a:ln>
             <a:extLst>
               <a:ext uri="{91240B29-F687-4f45-9708-019B960494DF}">
-                <a14:hiddenLine xmlns:a14="http://schemas.microsoft.com/office/drawing/2010/main" xmlns="" w="9525">
+                <a14:hiddenLine xmlns="" xmlns:a14="http://schemas.microsoft.com/office/drawing/2010/main" w="9525">
                   <a:solidFill>
                     <a:srgbClr val="000000"/>
                   </a:solidFill>
@@ -5354,7 +5357,7 @@
             </a:ln>
             <a:extLst>
               <a:ext uri="{91240B29-F687-4f45-9708-019B960494DF}">
-                <a14:hiddenLine xmlns:a14="http://schemas.microsoft.com/office/drawing/2010/main" xmlns="" w="9525">
+                <a14:hiddenLine xmlns="" xmlns:a14="http://schemas.microsoft.com/office/drawing/2010/main" w="9525">
                   <a:solidFill>
                     <a:srgbClr val="000000"/>
                   </a:solidFill>
@@ -5416,7 +5419,7 @@
             </a:ln>
             <a:extLst>
               <a:ext uri="{91240B29-F687-4f45-9708-019B960494DF}">
-                <a14:hiddenLine xmlns:a14="http://schemas.microsoft.com/office/drawing/2010/main" xmlns="" w="9525">
+                <a14:hiddenLine xmlns="" xmlns:a14="http://schemas.microsoft.com/office/drawing/2010/main" w="9525">
                   <a:solidFill>
                     <a:srgbClr val="000000"/>
                   </a:solidFill>
@@ -5506,7 +5509,7 @@
             </a:ln>
             <a:extLst>
               <a:ext uri="{91240B29-F687-4f45-9708-019B960494DF}">
-                <a14:hiddenLine xmlns:a14="http://schemas.microsoft.com/office/drawing/2010/main" xmlns="" w="9525">
+                <a14:hiddenLine xmlns="" xmlns:a14="http://schemas.microsoft.com/office/drawing/2010/main" w="9525">
                   <a:solidFill>
                     <a:srgbClr val="000000"/>
                   </a:solidFill>
@@ -5596,7 +5599,7 @@
             </a:ln>
             <a:extLst>
               <a:ext uri="{91240B29-F687-4f45-9708-019B960494DF}">
-                <a14:hiddenLine xmlns:a14="http://schemas.microsoft.com/office/drawing/2010/main" xmlns="" w="9525">
+                <a14:hiddenLine xmlns="" xmlns:a14="http://schemas.microsoft.com/office/drawing/2010/main" w="9525">
                   <a:solidFill>
                     <a:srgbClr val="000000"/>
                   </a:solidFill>
@@ -5652,7 +5655,7 @@
             </a:ln>
             <a:extLst>
               <a:ext uri="{91240B29-F687-4f45-9708-019B960494DF}">
-                <a14:hiddenLine xmlns:a14="http://schemas.microsoft.com/office/drawing/2010/main" xmlns="" w="9525">
+                <a14:hiddenLine xmlns="" xmlns:a14="http://schemas.microsoft.com/office/drawing/2010/main" w="9525">
                   <a:solidFill>
                     <a:srgbClr val="000000"/>
                   </a:solidFill>
@@ -5742,7 +5745,7 @@
             </a:ln>
             <a:extLst>
               <a:ext uri="{91240B29-F687-4f45-9708-019B960494DF}">
-                <a14:hiddenLine xmlns:a14="http://schemas.microsoft.com/office/drawing/2010/main" xmlns="" w="9525">
+                <a14:hiddenLine xmlns="" xmlns:a14="http://schemas.microsoft.com/office/drawing/2010/main" w="9525">
                   <a:solidFill>
                     <a:srgbClr val="000000"/>
                   </a:solidFill>
@@ -5798,7 +5801,7 @@
             </a:ln>
             <a:extLst>
               <a:ext uri="{91240B29-F687-4f45-9708-019B960494DF}">
-                <a14:hiddenLine xmlns:a14="http://schemas.microsoft.com/office/drawing/2010/main" xmlns="" w="9525">
+                <a14:hiddenLine xmlns="" xmlns:a14="http://schemas.microsoft.com/office/drawing/2010/main" w="9525">
                   <a:solidFill>
                     <a:srgbClr val="000000"/>
                   </a:solidFill>
@@ -5888,7 +5891,7 @@
             </a:ln>
             <a:extLst>
               <a:ext uri="{91240B29-F687-4f45-9708-019B960494DF}">
-                <a14:hiddenLine xmlns:a14="http://schemas.microsoft.com/office/drawing/2010/main" xmlns="" w="9525">
+                <a14:hiddenLine xmlns="" xmlns:a14="http://schemas.microsoft.com/office/drawing/2010/main" w="9525">
                   <a:solidFill>
                     <a:srgbClr val="000000"/>
                   </a:solidFill>
@@ -5956,7 +5959,7 @@
             </a:ln>
             <a:extLst>
               <a:ext uri="{91240B29-F687-4f45-9708-019B960494DF}">
-                <a14:hiddenLine xmlns:a14="http://schemas.microsoft.com/office/drawing/2010/main" xmlns="" w="9525">
+                <a14:hiddenLine xmlns="" xmlns:a14="http://schemas.microsoft.com/office/drawing/2010/main" w="9525">
                   <a:solidFill>
                     <a:srgbClr val="000000"/>
                   </a:solidFill>
@@ -6046,7 +6049,7 @@
             </a:ln>
             <a:extLst>
               <a:ext uri="{91240B29-F687-4f45-9708-019B960494DF}">
-                <a14:hiddenLine xmlns:a14="http://schemas.microsoft.com/office/drawing/2010/main" xmlns="" w="9525">
+                <a14:hiddenLine xmlns="" xmlns:a14="http://schemas.microsoft.com/office/drawing/2010/main" w="9525">
                   <a:solidFill>
                     <a:srgbClr val="000000"/>
                   </a:solidFill>
@@ -6114,7 +6117,7 @@
             </a:ln>
             <a:extLst>
               <a:ext uri="{91240B29-F687-4f45-9708-019B960494DF}">
-                <a14:hiddenLine xmlns:a14="http://schemas.microsoft.com/office/drawing/2010/main" xmlns="" w="9525">
+                <a14:hiddenLine xmlns="" xmlns:a14="http://schemas.microsoft.com/office/drawing/2010/main" w="9525">
                   <a:solidFill>
                     <a:srgbClr val="000000"/>
                   </a:solidFill>
@@ -6204,7 +6207,7 @@
             </a:ln>
             <a:extLst>
               <a:ext uri="{91240B29-F687-4f45-9708-019B960494DF}">
-                <a14:hiddenLine xmlns:a14="http://schemas.microsoft.com/office/drawing/2010/main" xmlns="" w="9525">
+                <a14:hiddenLine xmlns="" xmlns:a14="http://schemas.microsoft.com/office/drawing/2010/main" w="9525">
                   <a:solidFill>
                     <a:srgbClr val="000000"/>
                   </a:solidFill>
@@ -6238,7 +6241,7 @@
             </a:ln>
             <a:extLst>
               <a:ext uri="{91240B29-F687-4f45-9708-019B960494DF}">
-                <a14:hiddenLine xmlns:a14="http://schemas.microsoft.com/office/drawing/2010/main" xmlns="" w="9525">
+                <a14:hiddenLine xmlns="" xmlns:a14="http://schemas.microsoft.com/office/drawing/2010/main" w="9525">
                   <a:solidFill>
                     <a:srgbClr val="000000"/>
                   </a:solidFill>
@@ -6328,7 +6331,7 @@
             </a:ln>
             <a:extLst>
               <a:ext uri="{91240B29-F687-4f45-9708-019B960494DF}">
-                <a14:hiddenLine xmlns:a14="http://schemas.microsoft.com/office/drawing/2010/main" xmlns="" w="9525">
+                <a14:hiddenLine xmlns="" xmlns:a14="http://schemas.microsoft.com/office/drawing/2010/main" w="9525">
                   <a:solidFill>
                     <a:srgbClr val="000000"/>
                   </a:solidFill>
@@ -6390,7 +6393,7 @@
             </a:ln>
             <a:extLst>
               <a:ext uri="{91240B29-F687-4f45-9708-019B960494DF}">
-                <a14:hiddenLine xmlns:a14="http://schemas.microsoft.com/office/drawing/2010/main" xmlns="" w="9525">
+                <a14:hiddenLine xmlns="" xmlns:a14="http://schemas.microsoft.com/office/drawing/2010/main" w="9525">
                   <a:solidFill>
                     <a:srgbClr val="000000"/>
                   </a:solidFill>
@@ -6452,7 +6455,7 @@
             </a:ln>
             <a:extLst>
               <a:ext uri="{91240B29-F687-4f45-9708-019B960494DF}">
-                <a14:hiddenLine xmlns:a14="http://schemas.microsoft.com/office/drawing/2010/main" xmlns="" w="9525">
+                <a14:hiddenLine xmlns="" xmlns:a14="http://schemas.microsoft.com/office/drawing/2010/main" w="9525">
                   <a:solidFill>
                     <a:srgbClr val="000000"/>
                   </a:solidFill>
@@ -6542,7 +6545,7 @@
             </a:ln>
             <a:extLst>
               <a:ext uri="{91240B29-F687-4f45-9708-019B960494DF}">
-                <a14:hiddenLine xmlns:a14="http://schemas.microsoft.com/office/drawing/2010/main" xmlns="" w="9525">
+                <a14:hiddenLine xmlns="" xmlns:a14="http://schemas.microsoft.com/office/drawing/2010/main" w="9525">
                   <a:solidFill>
                     <a:srgbClr val="000000"/>
                   </a:solidFill>
@@ -6610,7 +6613,7 @@
             </a:ln>
             <a:extLst>
               <a:ext uri="{91240B29-F687-4f45-9708-019B960494DF}">
-                <a14:hiddenLine xmlns:a14="http://schemas.microsoft.com/office/drawing/2010/main" xmlns="" w="9525">
+                <a14:hiddenLine xmlns="" xmlns:a14="http://schemas.microsoft.com/office/drawing/2010/main" w="9525">
                   <a:solidFill>
                     <a:srgbClr val="000000"/>
                   </a:solidFill>
@@ -6672,7 +6675,7 @@
             </a:ln>
             <a:extLst>
               <a:ext uri="{91240B29-F687-4f45-9708-019B960494DF}">
-                <a14:hiddenLine xmlns:a14="http://schemas.microsoft.com/office/drawing/2010/main" xmlns="" w="9525">
+                <a14:hiddenLine xmlns="" xmlns:a14="http://schemas.microsoft.com/office/drawing/2010/main" w="9525">
                   <a:solidFill>
                     <a:srgbClr val="000000"/>
                   </a:solidFill>
@@ -6762,7 +6765,7 @@
             </a:ln>
             <a:extLst>
               <a:ext uri="{91240B29-F687-4f45-9708-019B960494DF}">
-                <a14:hiddenLine xmlns:a14="http://schemas.microsoft.com/office/drawing/2010/main" xmlns="" w="9525">
+                <a14:hiddenLine xmlns="" xmlns:a14="http://schemas.microsoft.com/office/drawing/2010/main" w="9525">
                   <a:solidFill>
                     <a:srgbClr val="000000"/>
                   </a:solidFill>
@@ -6824,7 +6827,7 @@
             </a:ln>
             <a:extLst>
               <a:ext uri="{91240B29-F687-4f45-9708-019B960494DF}">
-                <a14:hiddenLine xmlns:a14="http://schemas.microsoft.com/office/drawing/2010/main" xmlns="" w="9525">
+                <a14:hiddenLine xmlns="" xmlns:a14="http://schemas.microsoft.com/office/drawing/2010/main" w="9525">
                   <a:solidFill>
                     <a:srgbClr val="000000"/>
                   </a:solidFill>
@@ -6914,7 +6917,7 @@
             </a:ln>
             <a:extLst>
               <a:ext uri="{91240B29-F687-4f45-9708-019B960494DF}">
-                <a14:hiddenLine xmlns:a14="http://schemas.microsoft.com/office/drawing/2010/main" xmlns="" w="9525">
+                <a14:hiddenLine xmlns="" xmlns:a14="http://schemas.microsoft.com/office/drawing/2010/main" w="9525">
                   <a:solidFill>
                     <a:srgbClr val="000000"/>
                   </a:solidFill>
@@ -6976,7 +6979,7 @@
             </a:ln>
             <a:extLst>
               <a:ext uri="{91240B29-F687-4f45-9708-019B960494DF}">
-                <a14:hiddenLine xmlns:a14="http://schemas.microsoft.com/office/drawing/2010/main" xmlns="" w="9525">
+                <a14:hiddenLine xmlns="" xmlns:a14="http://schemas.microsoft.com/office/drawing/2010/main" w="9525">
                   <a:solidFill>
                     <a:srgbClr val="000000"/>
                   </a:solidFill>
@@ -7066,7 +7069,7 @@
             </a:ln>
             <a:extLst>
               <a:ext uri="{91240B29-F687-4f45-9708-019B960494DF}">
-                <a14:hiddenLine xmlns:a14="http://schemas.microsoft.com/office/drawing/2010/main" xmlns="" w="9525">
+                <a14:hiddenLine xmlns="" xmlns:a14="http://schemas.microsoft.com/office/drawing/2010/main" w="9525">
                   <a:solidFill>
                     <a:srgbClr val="000000"/>
                   </a:solidFill>
@@ -7100,7 +7103,7 @@
             </a:ln>
             <a:extLst>
               <a:ext uri="{91240B29-F687-4f45-9708-019B960494DF}">
-                <a14:hiddenLine xmlns:a14="http://schemas.microsoft.com/office/drawing/2010/main" xmlns="" w="9525">
+                <a14:hiddenLine xmlns="" xmlns:a14="http://schemas.microsoft.com/office/drawing/2010/main" w="9525">
                   <a:solidFill>
                     <a:srgbClr val="000000"/>
                   </a:solidFill>
@@ -7165,7 +7168,7 @@
             </a:ln>
             <a:extLst>
               <a:ext uri="{91240B29-F687-4f45-9708-019B960494DF}">
-                <a14:hiddenLine xmlns:a14="http://schemas.microsoft.com/office/drawing/2010/main" xmlns="" w="9525">
+                <a14:hiddenLine xmlns="" xmlns:a14="http://schemas.microsoft.com/office/drawing/2010/main" w="9525">
                   <a:solidFill>
                     <a:srgbClr val="000000"/>
                   </a:solidFill>
@@ -7255,7 +7258,7 @@
             </a:ln>
             <a:extLst>
               <a:ext uri="{91240B29-F687-4f45-9708-019B960494DF}">
-                <a14:hiddenLine xmlns:a14="http://schemas.microsoft.com/office/drawing/2010/main" xmlns="" w="9525">
+                <a14:hiddenLine xmlns="" xmlns:a14="http://schemas.microsoft.com/office/drawing/2010/main" w="9525">
                   <a:solidFill>
                     <a:srgbClr val="000000"/>
                   </a:solidFill>
@@ -7317,7 +7320,7 @@
             </a:ln>
             <a:extLst>
               <a:ext uri="{91240B29-F687-4f45-9708-019B960494DF}">
-                <a14:hiddenLine xmlns:a14="http://schemas.microsoft.com/office/drawing/2010/main" xmlns="" w="9525">
+                <a14:hiddenLine xmlns="" xmlns:a14="http://schemas.microsoft.com/office/drawing/2010/main" w="9525">
                   <a:solidFill>
                     <a:srgbClr val="000000"/>
                   </a:solidFill>
@@ -7407,7 +7410,7 @@
             </a:ln>
             <a:extLst>
               <a:ext uri="{91240B29-F687-4f45-9708-019B960494DF}">
-                <a14:hiddenLine xmlns:a14="http://schemas.microsoft.com/office/drawing/2010/main" xmlns="" w="9525">
+                <a14:hiddenLine xmlns="" xmlns:a14="http://schemas.microsoft.com/office/drawing/2010/main" w="9525">
                   <a:solidFill>
                     <a:srgbClr val="000000"/>
                   </a:solidFill>
@@ -7497,7 +7500,7 @@
             </a:ln>
             <a:extLst>
               <a:ext uri="{91240B29-F687-4f45-9708-019B960494DF}">
-                <a14:hiddenLine xmlns:a14="http://schemas.microsoft.com/office/drawing/2010/main" xmlns="" w="9525">
+                <a14:hiddenLine xmlns="" xmlns:a14="http://schemas.microsoft.com/office/drawing/2010/main" w="9525">
                   <a:solidFill>
                     <a:srgbClr val="000000"/>
                   </a:solidFill>
@@ -7562,7 +7565,7 @@
             </a:ln>
             <a:extLst>
               <a:ext uri="{91240B29-F687-4f45-9708-019B960494DF}">
-                <a14:hiddenLine xmlns:a14="http://schemas.microsoft.com/office/drawing/2010/main" xmlns="" w="9525">
+                <a14:hiddenLine xmlns="" xmlns:a14="http://schemas.microsoft.com/office/drawing/2010/main" w="9525">
                   <a:solidFill>
                     <a:srgbClr val="000000"/>
                   </a:solidFill>
@@ -7624,7 +7627,7 @@
             </a:ln>
             <a:extLst>
               <a:ext uri="{91240B29-F687-4f45-9708-019B960494DF}">
-                <a14:hiddenLine xmlns:a14="http://schemas.microsoft.com/office/drawing/2010/main" xmlns="" w="9525">
+                <a14:hiddenLine xmlns="" xmlns:a14="http://schemas.microsoft.com/office/drawing/2010/main" w="9525">
                   <a:solidFill>
                     <a:srgbClr val="000000"/>
                   </a:solidFill>
@@ -7714,7 +7717,7 @@
             </a:ln>
             <a:extLst>
               <a:ext uri="{91240B29-F687-4f45-9708-019B960494DF}">
-                <a14:hiddenLine xmlns:a14="http://schemas.microsoft.com/office/drawing/2010/main" xmlns="" w="9525">
+                <a14:hiddenLine xmlns="" xmlns:a14="http://schemas.microsoft.com/office/drawing/2010/main" w="9525">
                   <a:solidFill>
                     <a:srgbClr val="000000"/>
                   </a:solidFill>
@@ -7804,7 +7807,7 @@
             </a:ln>
             <a:extLst>
               <a:ext uri="{91240B29-F687-4f45-9708-019B960494DF}">
-                <a14:hiddenLine xmlns:a14="http://schemas.microsoft.com/office/drawing/2010/main" xmlns="" w="9525">
+                <a14:hiddenLine xmlns="" xmlns:a14="http://schemas.microsoft.com/office/drawing/2010/main" w="9525">
                   <a:solidFill>
                     <a:srgbClr val="000000"/>
                   </a:solidFill>
@@ -7866,7 +7869,7 @@
             </a:ln>
             <a:extLst>
               <a:ext uri="{91240B29-F687-4f45-9708-019B960494DF}">
-                <a14:hiddenLine xmlns:a14="http://schemas.microsoft.com/office/drawing/2010/main" xmlns="" w="9525">
+                <a14:hiddenLine xmlns="" xmlns:a14="http://schemas.microsoft.com/office/drawing/2010/main" w="9525">
                   <a:solidFill>
                     <a:srgbClr val="000000"/>
                   </a:solidFill>
@@ -7986,7 +7989,7 @@
             </a:ln>
             <a:extLst>
               <a:ext uri="{91240B29-F687-4f45-9708-019B960494DF}">
-                <a14:hiddenLine xmlns:a14="http://schemas.microsoft.com/office/drawing/2010/main" xmlns="" w="9525">
+                <a14:hiddenLine xmlns="" xmlns:a14="http://schemas.microsoft.com/office/drawing/2010/main" w="9525">
                   <a:solidFill>
                     <a:srgbClr val="000000"/>
                   </a:solidFill>
@@ -8054,7 +8057,7 @@
             </a:ln>
             <a:extLst>
               <a:ext uri="{91240B29-F687-4f45-9708-019B960494DF}">
-                <a14:hiddenLine xmlns:a14="http://schemas.microsoft.com/office/drawing/2010/main" xmlns="" w="9525">
+                <a14:hiddenLine xmlns="" xmlns:a14="http://schemas.microsoft.com/office/drawing/2010/main" w="9525">
                   <a:solidFill>
                     <a:srgbClr val="000000"/>
                   </a:solidFill>
@@ -8144,7 +8147,7 @@
             </a:ln>
             <a:extLst>
               <a:ext uri="{91240B29-F687-4f45-9708-019B960494DF}">
-                <a14:hiddenLine xmlns:a14="http://schemas.microsoft.com/office/drawing/2010/main" xmlns="" w="9525">
+                <a14:hiddenLine xmlns="" xmlns:a14="http://schemas.microsoft.com/office/drawing/2010/main" w="9525">
                   <a:solidFill>
                     <a:srgbClr val="000000"/>
                   </a:solidFill>
@@ -8284,7 +8287,7 @@
           <a:p>
             <a:fld id="{48A87A34-81AB-432B-8DAE-1953F412C126}" type="datetimeFigureOut">
               <a:rPr lang="en-US" smtClean="0"/>
-              <a:t>2/18/20</a:t>
+              <a:t>2/19/20</a:t>
             </a:fld>
             <a:endParaRPr lang="en-US" dirty="0"/>
           </a:p>
@@ -8551,7 +8554,7 @@
           <a:p>
             <a:fld id="{48A87A34-81AB-432B-8DAE-1953F412C126}" type="datetimeFigureOut">
               <a:rPr lang="en-US" smtClean="0"/>
-              <a:t>2/18/20</a:t>
+              <a:t>2/19/20</a:t>
             </a:fld>
             <a:endParaRPr lang="en-US" dirty="0"/>
           </a:p>
@@ -8747,7 +8750,7 @@
           <a:p>
             <a:fld id="{48A87A34-81AB-432B-8DAE-1953F412C126}" type="datetimeFigureOut">
               <a:rPr lang="en-US" smtClean="0"/>
-              <a:t>2/18/20</a:t>
+              <a:t>2/19/20</a:t>
             </a:fld>
             <a:endParaRPr lang="en-US" dirty="0"/>
           </a:p>
@@ -9010,7 +9013,7 @@
           <a:p>
             <a:fld id="{48A87A34-81AB-432B-8DAE-1953F412C126}" type="datetimeFigureOut">
               <a:rPr lang="en-US" smtClean="0"/>
-              <a:t>2/18/20</a:t>
+              <a:t>2/19/20</a:t>
             </a:fld>
             <a:endParaRPr lang="en-US" dirty="0"/>
           </a:p>
@@ -9444,7 +9447,7 @@
           <a:p>
             <a:fld id="{48A87A34-81AB-432B-8DAE-1953F412C126}" type="datetimeFigureOut">
               <a:rPr lang="en-US" smtClean="0"/>
-              <a:t>2/18/20</a:t>
+              <a:t>2/19/20</a:t>
             </a:fld>
             <a:endParaRPr lang="en-US" dirty="0"/>
           </a:p>
@@ -9990,7 +9993,7 @@
           <a:p>
             <a:fld id="{48A87A34-81AB-432B-8DAE-1953F412C126}" type="datetimeFigureOut">
               <a:rPr lang="en-US" smtClean="0"/>
-              <a:t>2/18/20</a:t>
+              <a:t>2/19/20</a:t>
             </a:fld>
             <a:endParaRPr lang="en-US" dirty="0"/>
           </a:p>
@@ -10710,7 +10713,7 @@
           <a:p>
             <a:fld id="{48A87A34-81AB-432B-8DAE-1953F412C126}" type="datetimeFigureOut">
               <a:rPr lang="en-US" smtClean="0"/>
-              <a:t>2/18/20</a:t>
+              <a:t>2/19/20</a:t>
             </a:fld>
             <a:endParaRPr lang="en-US" dirty="0"/>
           </a:p>
@@ -10884,7 +10887,7 @@
           <a:p>
             <a:fld id="{48A87A34-81AB-432B-8DAE-1953F412C126}" type="datetimeFigureOut">
               <a:rPr lang="en-US" smtClean="0"/>
-              <a:t>2/18/20</a:t>
+              <a:t>2/19/20</a:t>
             </a:fld>
             <a:endParaRPr lang="en-US" dirty="0"/>
           </a:p>
@@ -11064,7 +11067,7 @@
           <a:p>
             <a:fld id="{48A87A34-81AB-432B-8DAE-1953F412C126}" type="datetimeFigureOut">
               <a:rPr lang="en-US" smtClean="0"/>
-              <a:t>2/18/20</a:t>
+              <a:t>2/19/20</a:t>
             </a:fld>
             <a:endParaRPr lang="en-US" dirty="0"/>
           </a:p>
@@ -11249,7 +11252,7 @@
           <a:p>
             <a:fld id="{48A87A34-81AB-432B-8DAE-1953F412C126}" type="datetimeFigureOut">
               <a:rPr lang="en-US" smtClean="0"/>
-              <a:t>2/18/20</a:t>
+              <a:t>2/19/20</a:t>
             </a:fld>
             <a:endParaRPr lang="en-US" dirty="0"/>
           </a:p>
@@ -11509,7 +11512,7 @@
           <a:p>
             <a:fld id="{48A87A34-81AB-432B-8DAE-1953F412C126}" type="datetimeFigureOut">
               <a:rPr lang="en-US" smtClean="0"/>
-              <a:t>2/18/20</a:t>
+              <a:t>2/19/20</a:t>
             </a:fld>
             <a:endParaRPr lang="en-US" dirty="0"/>
           </a:p>
@@ -11741,7 +11744,7 @@
           <a:p>
             <a:fld id="{48A87A34-81AB-432B-8DAE-1953F412C126}" type="datetimeFigureOut">
               <a:rPr lang="en-US" smtClean="0"/>
-              <a:t>2/18/20</a:t>
+              <a:t>2/19/20</a:t>
             </a:fld>
             <a:endParaRPr lang="en-US" dirty="0"/>
           </a:p>
@@ -12122,7 +12125,7 @@
           <a:p>
             <a:fld id="{48A87A34-81AB-432B-8DAE-1953F412C126}" type="datetimeFigureOut">
               <a:rPr lang="en-US" smtClean="0"/>
-              <a:t>2/18/20</a:t>
+              <a:t>2/19/20</a:t>
             </a:fld>
             <a:endParaRPr lang="en-US" dirty="0"/>
           </a:p>
@@ -12240,7 +12243,7 @@
           <a:p>
             <a:fld id="{48A87A34-81AB-432B-8DAE-1953F412C126}" type="datetimeFigureOut">
               <a:rPr lang="en-US" smtClean="0"/>
-              <a:t>2/18/20</a:t>
+              <a:t>2/19/20</a:t>
             </a:fld>
             <a:endParaRPr lang="en-US" dirty="0"/>
           </a:p>
@@ -12335,7 +12338,7 @@
           <a:p>
             <a:fld id="{48A87A34-81AB-432B-8DAE-1953F412C126}" type="datetimeFigureOut">
               <a:rPr lang="en-US" smtClean="0"/>
-              <a:t>2/18/20</a:t>
+              <a:t>2/19/20</a:t>
             </a:fld>
             <a:endParaRPr lang="en-US" dirty="0"/>
           </a:p>
@@ -12584,7 +12587,7 @@
           <a:p>
             <a:fld id="{48A87A34-81AB-432B-8DAE-1953F412C126}" type="datetimeFigureOut">
               <a:rPr lang="en-US" smtClean="0"/>
-              <a:t>2/18/20</a:t>
+              <a:t>2/19/20</a:t>
             </a:fld>
             <a:endParaRPr lang="en-US" dirty="0"/>
           </a:p>
@@ -12836,7 +12839,7 @@
           <a:p>
             <a:fld id="{48A87A34-81AB-432B-8DAE-1953F412C126}" type="datetimeFigureOut">
               <a:rPr lang="en-US" smtClean="0"/>
-              <a:t>2/18/20</a:t>
+              <a:t>2/19/20</a:t>
             </a:fld>
             <a:endParaRPr lang="en-US" dirty="0"/>
           </a:p>
@@ -12959,7 +12962,7 @@
           <a:noFill/>
           <a:extLst>
             <a:ext uri="{909E8E84-426E-40dd-AFC4-6F175D3DCCD1}">
-              <a14:hiddenFill xmlns:a14="http://schemas.microsoft.com/office/drawing/2010/main" xmlns="">
+              <a14:hiddenFill xmlns="" xmlns:a14="http://schemas.microsoft.com/office/drawing/2010/main">
                 <a:solidFill>
                   <a:srgbClr val="FFFFFF"/>
                 </a:solidFill>
@@ -13033,7 +13036,7 @@
               </a:ln>
               <a:extLst>
                 <a:ext uri="{91240B29-F687-4f45-9708-019B960494DF}">
-                  <a14:hiddenLine xmlns:a14="http://schemas.microsoft.com/office/drawing/2010/main" xmlns="" w="9525">
+                  <a14:hiddenLine xmlns="" xmlns:a14="http://schemas.microsoft.com/office/drawing/2010/main" w="9525">
                     <a:solidFill>
                       <a:srgbClr val="000000"/>
                     </a:solidFill>
@@ -13123,7 +13126,7 @@
               </a:ln>
               <a:extLst>
                 <a:ext uri="{91240B29-F687-4f45-9708-019B960494DF}">
-                  <a14:hiddenLine xmlns:a14="http://schemas.microsoft.com/office/drawing/2010/main" xmlns="" w="9525">
+                  <a14:hiddenLine xmlns="" xmlns:a14="http://schemas.microsoft.com/office/drawing/2010/main" w="9525">
                     <a:solidFill>
                       <a:srgbClr val="000000"/>
                     </a:solidFill>
@@ -13213,7 +13216,7 @@
               </a:ln>
               <a:extLst>
                 <a:ext uri="{91240B29-F687-4f45-9708-019B960494DF}">
-                  <a14:hiddenLine xmlns:a14="http://schemas.microsoft.com/office/drawing/2010/main" xmlns="" w="9525">
+                  <a14:hiddenLine xmlns="" xmlns:a14="http://schemas.microsoft.com/office/drawing/2010/main" w="9525">
                     <a:solidFill>
                       <a:srgbClr val="000000"/>
                     </a:solidFill>
@@ -13275,7 +13278,7 @@
               </a:ln>
               <a:extLst>
                 <a:ext uri="{91240B29-F687-4f45-9708-019B960494DF}">
-                  <a14:hiddenLine xmlns:a14="http://schemas.microsoft.com/office/drawing/2010/main" xmlns="" w="9525">
+                  <a14:hiddenLine xmlns="" xmlns:a14="http://schemas.microsoft.com/office/drawing/2010/main" w="9525">
                     <a:solidFill>
                       <a:srgbClr val="000000"/>
                     </a:solidFill>
@@ -13365,7 +13368,7 @@
               </a:ln>
               <a:extLst>
                 <a:ext uri="{91240B29-F687-4f45-9708-019B960494DF}">
-                  <a14:hiddenLine xmlns:a14="http://schemas.microsoft.com/office/drawing/2010/main" xmlns="" w="9525">
+                  <a14:hiddenLine xmlns="" xmlns:a14="http://schemas.microsoft.com/office/drawing/2010/main" w="9525">
                     <a:solidFill>
                       <a:srgbClr val="000000"/>
                     </a:solidFill>
@@ -13427,7 +13430,7 @@
               </a:ln>
               <a:extLst>
                 <a:ext uri="{91240B29-F687-4f45-9708-019B960494DF}">
-                  <a14:hiddenLine xmlns:a14="http://schemas.microsoft.com/office/drawing/2010/main" xmlns="" w="9525">
+                  <a14:hiddenLine xmlns="" xmlns:a14="http://schemas.microsoft.com/office/drawing/2010/main" w="9525">
                     <a:solidFill>
                       <a:srgbClr val="000000"/>
                     </a:solidFill>
@@ -13489,7 +13492,7 @@
               </a:ln>
               <a:extLst>
                 <a:ext uri="{91240B29-F687-4f45-9708-019B960494DF}">
-                  <a14:hiddenLine xmlns:a14="http://schemas.microsoft.com/office/drawing/2010/main" xmlns="" w="9525">
+                  <a14:hiddenLine xmlns="" xmlns:a14="http://schemas.microsoft.com/office/drawing/2010/main" w="9525">
                     <a:solidFill>
                       <a:srgbClr val="000000"/>
                     </a:solidFill>
@@ -13579,7 +13582,7 @@
               </a:ln>
               <a:extLst>
                 <a:ext uri="{91240B29-F687-4f45-9708-019B960494DF}">
-                  <a14:hiddenLine xmlns:a14="http://schemas.microsoft.com/office/drawing/2010/main" xmlns="" w="9525">
+                  <a14:hiddenLine xmlns="" xmlns:a14="http://schemas.microsoft.com/office/drawing/2010/main" w="9525">
                     <a:solidFill>
                       <a:srgbClr val="000000"/>
                     </a:solidFill>
@@ -13669,7 +13672,7 @@
               </a:ln>
               <a:extLst>
                 <a:ext uri="{91240B29-F687-4f45-9708-019B960494DF}">
-                  <a14:hiddenLine xmlns:a14="http://schemas.microsoft.com/office/drawing/2010/main" xmlns="" w="9525">
+                  <a14:hiddenLine xmlns="" xmlns:a14="http://schemas.microsoft.com/office/drawing/2010/main" w="9525">
                     <a:solidFill>
                       <a:srgbClr val="000000"/>
                     </a:solidFill>
@@ -13731,7 +13734,7 @@
               </a:ln>
               <a:extLst>
                 <a:ext uri="{91240B29-F687-4f45-9708-019B960494DF}">
-                  <a14:hiddenLine xmlns:a14="http://schemas.microsoft.com/office/drawing/2010/main" xmlns="" w="9525">
+                  <a14:hiddenLine xmlns="" xmlns:a14="http://schemas.microsoft.com/office/drawing/2010/main" w="9525">
                     <a:solidFill>
                       <a:srgbClr val="000000"/>
                     </a:solidFill>
@@ -13841,7 +13844,7 @@
               </a:ln>
               <a:extLst>
                 <a:ext uri="{91240B29-F687-4f45-9708-019B960494DF}">
-                  <a14:hiddenLine xmlns:a14="http://schemas.microsoft.com/office/drawing/2010/main" xmlns="" w="9525">
+                  <a14:hiddenLine xmlns="" xmlns:a14="http://schemas.microsoft.com/office/drawing/2010/main" w="9525">
                     <a:solidFill>
                       <a:srgbClr val="000000"/>
                     </a:solidFill>
@@ -13925,7 +13928,7 @@
               </a:ln>
               <a:extLst>
                 <a:ext uri="{91240B29-F687-4f45-9708-019B960494DF}">
-                  <a14:hiddenLine xmlns:a14="http://schemas.microsoft.com/office/drawing/2010/main" xmlns="" w="9525">
+                  <a14:hiddenLine xmlns="" xmlns:a14="http://schemas.microsoft.com/office/drawing/2010/main" w="9525">
                     <a:solidFill>
                       <a:srgbClr val="000000"/>
                     </a:solidFill>
@@ -13987,7 +13990,7 @@
               </a:ln>
               <a:extLst>
                 <a:ext uri="{91240B29-F687-4f45-9708-019B960494DF}">
-                  <a14:hiddenLine xmlns:a14="http://schemas.microsoft.com/office/drawing/2010/main" xmlns="" w="9525">
+                  <a14:hiddenLine xmlns="" xmlns:a14="http://schemas.microsoft.com/office/drawing/2010/main" w="9525">
                     <a:solidFill>
                       <a:srgbClr val="000000"/>
                     </a:solidFill>
@@ -14049,7 +14052,7 @@
               </a:ln>
               <a:extLst>
                 <a:ext uri="{91240B29-F687-4f45-9708-019B960494DF}">
-                  <a14:hiddenLine xmlns:a14="http://schemas.microsoft.com/office/drawing/2010/main" xmlns="" w="9525">
+                  <a14:hiddenLine xmlns="" xmlns:a14="http://schemas.microsoft.com/office/drawing/2010/main" w="9525">
                     <a:solidFill>
                       <a:srgbClr val="000000"/>
                     </a:solidFill>
@@ -14139,7 +14142,7 @@
               </a:ln>
               <a:extLst>
                 <a:ext uri="{91240B29-F687-4f45-9708-019B960494DF}">
-                  <a14:hiddenLine xmlns:a14="http://schemas.microsoft.com/office/drawing/2010/main" xmlns="" w="9525">
+                  <a14:hiddenLine xmlns="" xmlns:a14="http://schemas.microsoft.com/office/drawing/2010/main" w="9525">
                     <a:solidFill>
                       <a:srgbClr val="000000"/>
                     </a:solidFill>
@@ -14173,7 +14176,7 @@
               </a:ln>
               <a:extLst>
                 <a:ext uri="{91240B29-F687-4f45-9708-019B960494DF}">
-                  <a14:hiddenLine xmlns:a14="http://schemas.microsoft.com/office/drawing/2010/main" xmlns="" w="9525">
+                  <a14:hiddenLine xmlns="" xmlns:a14="http://schemas.microsoft.com/office/drawing/2010/main" w="9525">
                     <a:solidFill>
                       <a:srgbClr val="000000"/>
                     </a:solidFill>
@@ -14238,7 +14241,7 @@
               </a:ln>
               <a:extLst>
                 <a:ext uri="{91240B29-F687-4f45-9708-019B960494DF}">
-                  <a14:hiddenLine xmlns:a14="http://schemas.microsoft.com/office/drawing/2010/main" xmlns="" w="9525">
+                  <a14:hiddenLine xmlns="" xmlns:a14="http://schemas.microsoft.com/office/drawing/2010/main" w="9525">
                     <a:solidFill>
                       <a:srgbClr val="000000"/>
                     </a:solidFill>
@@ -14328,7 +14331,7 @@
               </a:ln>
               <a:extLst>
                 <a:ext uri="{91240B29-F687-4f45-9708-019B960494DF}">
-                  <a14:hiddenLine xmlns:a14="http://schemas.microsoft.com/office/drawing/2010/main" xmlns="" w="9525">
+                  <a14:hiddenLine xmlns="" xmlns:a14="http://schemas.microsoft.com/office/drawing/2010/main" w="9525">
                     <a:solidFill>
                       <a:srgbClr val="000000"/>
                     </a:solidFill>
@@ -14390,7 +14393,7 @@
               </a:ln>
               <a:extLst>
                 <a:ext uri="{91240B29-F687-4f45-9708-019B960494DF}">
-                  <a14:hiddenLine xmlns:a14="http://schemas.microsoft.com/office/drawing/2010/main" xmlns="" w="9525">
+                  <a14:hiddenLine xmlns="" xmlns:a14="http://schemas.microsoft.com/office/drawing/2010/main" w="9525">
                     <a:solidFill>
                       <a:srgbClr val="000000"/>
                     </a:solidFill>
@@ -14480,7 +14483,7 @@
               </a:ln>
               <a:extLst>
                 <a:ext uri="{91240B29-F687-4f45-9708-019B960494DF}">
-                  <a14:hiddenLine xmlns:a14="http://schemas.microsoft.com/office/drawing/2010/main" xmlns="" w="9525">
+                  <a14:hiddenLine xmlns="" xmlns:a14="http://schemas.microsoft.com/office/drawing/2010/main" w="9525">
                     <a:solidFill>
                       <a:srgbClr val="000000"/>
                     </a:solidFill>
@@ -14545,7 +14548,7 @@
               </a:ln>
               <a:extLst>
                 <a:ext uri="{91240B29-F687-4f45-9708-019B960494DF}">
-                  <a14:hiddenLine xmlns:a14="http://schemas.microsoft.com/office/drawing/2010/main" xmlns="" w="9525">
+                  <a14:hiddenLine xmlns="" xmlns:a14="http://schemas.microsoft.com/office/drawing/2010/main" w="9525">
                     <a:solidFill>
                       <a:srgbClr val="000000"/>
                     </a:solidFill>
@@ -14607,7 +14610,7 @@
               </a:ln>
               <a:extLst>
                 <a:ext uri="{91240B29-F687-4f45-9708-019B960494DF}">
-                  <a14:hiddenLine xmlns:a14="http://schemas.microsoft.com/office/drawing/2010/main" xmlns="" w="9525">
+                  <a14:hiddenLine xmlns="" xmlns:a14="http://schemas.microsoft.com/office/drawing/2010/main" w="9525">
                     <a:solidFill>
                       <a:srgbClr val="000000"/>
                     </a:solidFill>
@@ -14697,7 +14700,7 @@
               </a:ln>
               <a:extLst>
                 <a:ext uri="{91240B29-F687-4f45-9708-019B960494DF}">
-                  <a14:hiddenLine xmlns:a14="http://schemas.microsoft.com/office/drawing/2010/main" xmlns="" w="9525">
+                  <a14:hiddenLine xmlns="" xmlns:a14="http://schemas.microsoft.com/office/drawing/2010/main" w="9525">
                     <a:solidFill>
                       <a:srgbClr val="000000"/>
                     </a:solidFill>
@@ -14787,7 +14790,7 @@
               </a:ln>
               <a:extLst>
                 <a:ext uri="{91240B29-F687-4f45-9708-019B960494DF}">
-                  <a14:hiddenLine xmlns:a14="http://schemas.microsoft.com/office/drawing/2010/main" xmlns="" w="9525">
+                  <a14:hiddenLine xmlns="" xmlns:a14="http://schemas.microsoft.com/office/drawing/2010/main" w="9525">
                     <a:solidFill>
                       <a:srgbClr val="000000"/>
                     </a:solidFill>
@@ -14852,7 +14855,7 @@
               </a:ln>
               <a:extLst>
                 <a:ext uri="{91240B29-F687-4f45-9708-019B960494DF}">
-                  <a14:hiddenLine xmlns:a14="http://schemas.microsoft.com/office/drawing/2010/main" xmlns="" w="9525">
+                  <a14:hiddenLine xmlns="" xmlns:a14="http://schemas.microsoft.com/office/drawing/2010/main" w="9525">
                     <a:solidFill>
                       <a:srgbClr val="000000"/>
                     </a:solidFill>
@@ -14972,7 +14975,7 @@
               </a:ln>
               <a:extLst>
                 <a:ext uri="{91240B29-F687-4f45-9708-019B960494DF}">
-                  <a14:hiddenLine xmlns:a14="http://schemas.microsoft.com/office/drawing/2010/main" xmlns="" w="9525">
+                  <a14:hiddenLine xmlns="" xmlns:a14="http://schemas.microsoft.com/office/drawing/2010/main" w="9525">
                     <a:solidFill>
                       <a:srgbClr val="000000"/>
                     </a:solidFill>
@@ -15070,7 +15073,7 @@
               </a:ln>
               <a:extLst>
                 <a:ext uri="{91240B29-F687-4f45-9708-019B960494DF}">
-                  <a14:hiddenLine xmlns:a14="http://schemas.microsoft.com/office/drawing/2010/main" xmlns="" w="9525">
+                  <a14:hiddenLine xmlns="" xmlns:a14="http://schemas.microsoft.com/office/drawing/2010/main" w="9525">
                     <a:solidFill>
                       <a:srgbClr val="000000"/>
                     </a:solidFill>
@@ -15185,7 +15188,7 @@
               </a:ln>
               <a:extLst>
                 <a:ext uri="{91240B29-F687-4f45-9708-019B960494DF}">
-                  <a14:hiddenLine xmlns:a14="http://schemas.microsoft.com/office/drawing/2010/main" xmlns="" w="9525">
+                  <a14:hiddenLine xmlns="" xmlns:a14="http://schemas.microsoft.com/office/drawing/2010/main" w="9525">
                     <a:solidFill>
                       <a:srgbClr val="000000"/>
                     </a:solidFill>
@@ -15275,7 +15278,7 @@
               </a:ln>
               <a:extLst>
                 <a:ext uri="{91240B29-F687-4f45-9708-019B960494DF}">
-                  <a14:hiddenLine xmlns:a14="http://schemas.microsoft.com/office/drawing/2010/main" xmlns="" w="9525">
+                  <a14:hiddenLine xmlns="" xmlns:a14="http://schemas.microsoft.com/office/drawing/2010/main" w="9525">
                     <a:solidFill>
                       <a:srgbClr val="000000"/>
                     </a:solidFill>
@@ -15340,7 +15343,7 @@
               </a:ln>
               <a:extLst>
                 <a:ext uri="{91240B29-F687-4f45-9708-019B960494DF}">
-                  <a14:hiddenLine xmlns:a14="http://schemas.microsoft.com/office/drawing/2010/main" xmlns="" w="9525">
+                  <a14:hiddenLine xmlns="" xmlns:a14="http://schemas.microsoft.com/office/drawing/2010/main" w="9525">
                     <a:solidFill>
                       <a:srgbClr val="000000"/>
                     </a:solidFill>
@@ -15430,7 +15433,7 @@
               </a:ln>
               <a:extLst>
                 <a:ext uri="{91240B29-F687-4f45-9708-019B960494DF}">
-                  <a14:hiddenLine xmlns:a14="http://schemas.microsoft.com/office/drawing/2010/main" xmlns="" w="9525">
+                  <a14:hiddenLine xmlns="" xmlns:a14="http://schemas.microsoft.com/office/drawing/2010/main" w="9525">
                     <a:solidFill>
                       <a:srgbClr val="000000"/>
                     </a:solidFill>
@@ -15498,7 +15501,7 @@
               </a:ln>
               <a:extLst>
                 <a:ext uri="{91240B29-F687-4f45-9708-019B960494DF}">
-                  <a14:hiddenLine xmlns:a14="http://schemas.microsoft.com/office/drawing/2010/main" xmlns="" w="9525">
+                  <a14:hiddenLine xmlns="" xmlns:a14="http://schemas.microsoft.com/office/drawing/2010/main" w="9525">
                     <a:solidFill>
                       <a:srgbClr val="000000"/>
                     </a:solidFill>
@@ -15588,7 +15591,7 @@
               </a:ln>
               <a:extLst>
                 <a:ext uri="{91240B29-F687-4f45-9708-019B960494DF}">
-                  <a14:hiddenLine xmlns:a14="http://schemas.microsoft.com/office/drawing/2010/main" xmlns="" w="9525">
+                  <a14:hiddenLine xmlns="" xmlns:a14="http://schemas.microsoft.com/office/drawing/2010/main" w="9525">
                     <a:solidFill>
                       <a:srgbClr val="000000"/>
                     </a:solidFill>
@@ -15656,7 +15659,7 @@
               </a:ln>
               <a:extLst>
                 <a:ext uri="{91240B29-F687-4f45-9708-019B960494DF}">
-                  <a14:hiddenLine xmlns:a14="http://schemas.microsoft.com/office/drawing/2010/main" xmlns="" w="9525">
+                  <a14:hiddenLine xmlns="" xmlns:a14="http://schemas.microsoft.com/office/drawing/2010/main" w="9525">
                     <a:solidFill>
                       <a:srgbClr val="000000"/>
                     </a:solidFill>
@@ -15746,7 +15749,7 @@
               </a:ln>
               <a:extLst>
                 <a:ext uri="{91240B29-F687-4f45-9708-019B960494DF}">
-                  <a14:hiddenLine xmlns:a14="http://schemas.microsoft.com/office/drawing/2010/main" xmlns="" w="9525">
+                  <a14:hiddenLine xmlns="" xmlns:a14="http://schemas.microsoft.com/office/drawing/2010/main" w="9525">
                     <a:solidFill>
                       <a:srgbClr val="000000"/>
                     </a:solidFill>
@@ -15780,7 +15783,7 @@
               </a:ln>
               <a:extLst>
                 <a:ext uri="{91240B29-F687-4f45-9708-019B960494DF}">
-                  <a14:hiddenLine xmlns:a14="http://schemas.microsoft.com/office/drawing/2010/main" xmlns="" w="9525">
+                  <a14:hiddenLine xmlns="" xmlns:a14="http://schemas.microsoft.com/office/drawing/2010/main" w="9525">
                     <a:solidFill>
                       <a:srgbClr val="000000"/>
                     </a:solidFill>
@@ -15921,7 +15924,7 @@
             <a:fld id="{48A87A34-81AB-432B-8DAE-1953F412C126}" type="datetimeFigureOut">
               <a:rPr lang="en-US" smtClean="0"/>
               <a:pPr/>
-              <a:t>2/18/20</a:t>
+              <a:t>2/19/20</a:t>
             </a:fld>
             <a:endParaRPr lang="en-US" dirty="0"/>
           </a:p>
@@ -16896,35 +16899,6 @@
           </a:p>
         </p:txBody>
       </p:sp>
-      <p:pic>
-        <p:nvPicPr>
-          <p:cNvPr id="7" name="Content Placeholder 6" descr="A screenshot of a cell phone&#10;&#10;Description automatically generated">
-            <a:extLst>
-              <a:ext uri="{FF2B5EF4-FFF2-40B4-BE49-F238E27FC236}">
-                <a16:creationId xmlns:a16="http://schemas.microsoft.com/office/drawing/2014/main" id="{794C159C-BEA2-9448-B8E1-42D0C158FEB2}"/>
-              </a:ext>
-            </a:extLst>
-          </p:cNvPr>
-          <p:cNvPicPr>
-            <a:picLocks noGrp="1" noChangeAspect="1"/>
-          </p:cNvPicPr>
-          <p:nvPr>
-            <p:ph sz="half" idx="1"/>
-          </p:nvPr>
-        </p:nvPicPr>
-        <p:blipFill>
-          <a:blip r:embed="rId2"/>
-          <a:stretch>
-            <a:fillRect/>
-          </a:stretch>
-        </p:blipFill>
-        <p:spPr>
-          <a:xfrm>
-            <a:off x="855663" y="2678799"/>
-            <a:ext cx="3659187" cy="1848199"/>
-          </a:xfrm>
-        </p:spPr>
-      </p:pic>
       <p:sp>
         <p:nvSpPr>
           <p:cNvPr id="5" name="Content Placeholder 4">
@@ -16988,6 +16962,35 @@
           </a:p>
         </p:txBody>
       </p:sp>
+      <p:pic>
+        <p:nvPicPr>
+          <p:cNvPr id="8" name="Content Placeholder 7" descr="A screenshot of a cell phone&#10;&#10;Description automatically generated">
+            <a:extLst>
+              <a:ext uri="{FF2B5EF4-FFF2-40B4-BE49-F238E27FC236}">
+                <a16:creationId xmlns:a16="http://schemas.microsoft.com/office/drawing/2014/main" id="{D8F4551E-4CCD-8645-BE57-D4B691CBE242}"/>
+              </a:ext>
+            </a:extLst>
+          </p:cNvPr>
+          <p:cNvPicPr>
+            <a:picLocks noGrp="1" noChangeAspect="1"/>
+          </p:cNvPicPr>
+          <p:nvPr>
+            <p:ph sz="half" idx="1"/>
+          </p:nvPr>
+        </p:nvPicPr>
+        <p:blipFill>
+          <a:blip r:embed="rId2"/>
+          <a:stretch>
+            <a:fillRect/>
+          </a:stretch>
+        </p:blipFill>
+        <p:spPr>
+          <a:xfrm>
+            <a:off x="911622" y="2835080"/>
+            <a:ext cx="3659187" cy="1187840"/>
+          </a:xfrm>
+        </p:spPr>
+      </p:pic>
     </p:spTree>
     <p:extLst>
       <p:ext uri="{BB962C8B-B14F-4D97-AF65-F5344CB8AC3E}">

--- a/Presentation | Andra P Utama.pptx
+++ b/Presentation | Andra P Utama.pptx
@@ -17109,7 +17109,7 @@
             </a:pPr>
             <a:r>
               <a:rPr lang="en-ID" dirty="0"/>
-              <a:t>Age (26.07%)</a:t>
+              <a:t>Age (27.91%)</a:t>
             </a:r>
           </a:p>
           <a:p>
@@ -17122,7 +17122,7 @@
             </a:r>
             <a:r>
               <a:rPr lang="en-ID" dirty="0"/>
-              <a:t> (15.84%)</a:t>
+              <a:t> (17.01%)</a:t>
             </a:r>
           </a:p>
           <a:p>
@@ -17131,7 +17131,7 @@
             </a:pPr>
             <a:r>
               <a:rPr lang="en-ID" dirty="0"/>
-              <a:t>Balance (13.62%)</a:t>
+              <a:t>Balance (13.30%)</a:t>
             </a:r>
           </a:p>
           <a:p>
@@ -17144,7 +17144,7 @@
             </a:r>
             <a:r>
               <a:rPr lang="en-ID" dirty="0"/>
-              <a:t>(12.37%)</a:t>
+              <a:t>(11.44%)</a:t>
             </a:r>
           </a:p>
           <a:p>
@@ -17156,8 +17156,8 @@
               <a:t>EstimatedSalary</a:t>
             </a:r>
             <a:r>
-              <a:rPr lang="en-ID" dirty="0"/>
-              <a:t> (12%)</a:t>
+              <a:rPr lang="en-ID"/>
+              <a:t> (11.18%)</a:t>
             </a:r>
             <a:endParaRPr lang="en-ID" sz="1700" dirty="0"/>
           </a:p>
